--- a/연구생모집공고.pptx
+++ b/연구생모집공고.pptx
@@ -220,7 +220,7 @@
           <a:p>
             <a:fld id="{80680FBE-A8DF-4758-9AC4-3A9E1039168F}" type="datetimeFigureOut">
               <a:rPr lang="en-US" smtClean="0"/>
-              <a:t>3/17/2019</a:t>
+              <a:t>3/18/2019</a:t>
             </a:fld>
             <a:endParaRPr lang="en-US"/>
           </a:p>
@@ -385,7 +385,7 @@
           <a:p>
             <a:fld id="{EC13577B-6902-467D-A26C-08A0DD5E4E03}" type="datetimeFigureOut">
               <a:rPr lang="en-US" smtClean="0"/>
-              <a:t>3/17/2019</a:t>
+              <a:t>3/18/2019</a:t>
             </a:fld>
             <a:endParaRPr lang="en-US"/>
           </a:p>
@@ -1188,7 +1188,7 @@
             <a:fld id="{8BEEBAAA-29B5-4AF5-BC5F-7E580C29002D}" type="datetimeFigureOut">
               <a:rPr lang="en-US" smtClean="0"/>
               <a:pPr/>
-              <a:t>3/17/2019</a:t>
+              <a:t>3/18/2019</a:t>
             </a:fld>
             <a:endParaRPr lang="en-US" dirty="0"/>
           </a:p>
@@ -1814,7 +1814,7 @@
             <a:fld id="{8BEEBAAA-29B5-4AF5-BC5F-7E580C29002D}" type="datetimeFigureOut">
               <a:rPr lang="en-US" smtClean="0"/>
               <a:pPr/>
-              <a:t>3/17/2019</a:t>
+              <a:t>3/18/2019</a:t>
             </a:fld>
             <a:endParaRPr lang="en-US" dirty="0"/>
           </a:p>
@@ -3098,7 +3098,7 @@
                 <a:latin typeface="D2Coding" panose="020B0609020101020101" pitchFamily="49" charset="-127"/>
                 <a:ea typeface="D2Coding" panose="020B0609020101020101" pitchFamily="49" charset="-127"/>
               </a:rPr>
-              <a:t>317</a:t>
+              <a:t>313</a:t>
             </a:r>
             <a:r>
               <a:rPr lang="ko-KR" altLang="en-US" sz="1600" dirty="0">
@@ -3211,7 +3211,7 @@
               <a:t>: 010-</a:t>
             </a:r>
             <a:r>
-              <a:rPr lang="ko-KR" altLang="en-US" sz="1600" b="1">
+              <a:rPr lang="ko-KR" altLang="en-US" sz="1600" b="1" dirty="0" err="1">
                 <a:latin typeface="D2Coding" panose="020B0609020101020101" pitchFamily="49" charset="-127"/>
                 <a:ea typeface="D2Coding" panose="020B0609020101020101" pitchFamily="49" charset="-127"/>
               </a:rPr>
